--- a/ppt/dotNet08-LINQ.pptx
+++ b/ppt/dotNet08-LINQ.pptx
@@ -5,10 +5,10 @@
     <p:sldMasterId id="2147483677" r:id="rId1"/>
   </p:sldMasterIdLst>
   <p:notesMasterIdLst>
-    <p:notesMasterId r:id="rId13"/>
+    <p:notesMasterId r:id="rId10"/>
   </p:notesMasterIdLst>
   <p:handoutMasterIdLst>
-    <p:handoutMasterId r:id="rId14"/>
+    <p:handoutMasterId r:id="rId11"/>
   </p:handoutMasterIdLst>
   <p:sldIdLst>
     <p:sldId id="256" r:id="rId2"/>
@@ -19,9 +19,6 @@
     <p:sldId id="303" r:id="rId7"/>
     <p:sldId id="272" r:id="rId8"/>
     <p:sldId id="273" r:id="rId9"/>
-    <p:sldId id="274" r:id="rId10"/>
-    <p:sldId id="281" r:id="rId11"/>
-    <p:sldId id="282" r:id="rId12"/>
   </p:sldIdLst>
   <p:sldSz cx="9144000" cy="6858000" type="screen4x3"/>
   <p:notesSz cx="6794500" cy="9931400"/>
@@ -934,299 +931,6 @@
 </p:notes>
 </file>
 
-<file path=ppt/notesSlides/notesSlide10.xml><?xml version="1.0" encoding="utf-8"?>
-<p:notes xmlns:a="http://schemas.openxmlformats.org/drawingml/2006/main" xmlns:r="http://schemas.openxmlformats.org/officeDocument/2006/relationships" xmlns:p="http://schemas.openxmlformats.org/presentationml/2006/main">
-  <p:cSld>
-    <p:spTree>
-      <p:nvGrpSpPr>
-        <p:cNvPr id="1" name=""/>
-        <p:cNvGrpSpPr/>
-        <p:nvPr/>
-      </p:nvGrpSpPr>
-      <p:grpSpPr>
-        <a:xfrm>
-          <a:off x="0" y="0"/>
-          <a:ext cx="0" cy="0"/>
-          <a:chOff x="0" y="0"/>
-          <a:chExt cx="0" cy="0"/>
-        </a:xfrm>
-      </p:grpSpPr>
-      <p:sp>
-        <p:nvSpPr>
-          <p:cNvPr id="5" name="TextBox 4" hidden="1"/>
-          <p:cNvSpPr txBox="1"/>
-          <p:nvPr/>
-        </p:nvSpPr>
-        <p:spPr>
-          <a:xfrm>
-            <a:off x="2219619" y="408140"/>
-            <a:ext cx="3699365" cy="215720"/>
-          </a:xfrm>
-          <a:prstGeom prst="rect">
-            <a:avLst/>
-          </a:prstGeom>
-          <a:noFill/>
-        </p:spPr>
-        <p:txBody>
-          <a:bodyPr vert="horz" lIns="91577" tIns="45789" rIns="91577" bIns="45789" rtlCol="0">
-            <a:spAutoFit/>
-          </a:bodyPr>
-          <a:lstStyle/>
-          <a:p>
-            <a:r>
-              <a:rPr lang="pt-BR" sz="800" dirty="0">
-                <a:solidFill>
-                  <a:srgbClr val="000000"/>
-                </a:solidFill>
-                <a:latin typeface="Arial"/>
-              </a:rPr>
-              <a:t>&lt;*s*o*u*r*c*e*&gt;*9*7*3*a*1*-*7*-*2*8*&lt;*/*s*o*u*r*c*e*&gt;</a:t>
-            </a:r>
-            <a:endParaRPr lang="en-US" sz="800" dirty="0">
-              <a:solidFill>
-                <a:srgbClr val="000000"/>
-              </a:solidFill>
-              <a:latin typeface="Arial"/>
-            </a:endParaRPr>
-          </a:p>
-        </p:txBody>
-      </p:sp>
-      <p:sp>
-        <p:nvSpPr>
-          <p:cNvPr id="540674" name="Rectangle 2"/>
-          <p:cNvSpPr>
-            <a:spLocks noGrp="1" noRot="1" noChangeAspect="1" noChangeArrowheads="1" noTextEdit="1"/>
-          </p:cNvSpPr>
-          <p:nvPr>
-            <p:ph type="sldImg"/>
-          </p:nvPr>
-        </p:nvSpPr>
-        <p:spPr>
-          <a:ln/>
-        </p:spPr>
-      </p:sp>
-      <p:sp>
-        <p:nvSpPr>
-          <p:cNvPr id="540675" name="Rectangle 3"/>
-          <p:cNvSpPr>
-            <a:spLocks noGrp="1" noChangeArrowheads="1"/>
-          </p:cNvSpPr>
-          <p:nvPr>
-            <p:ph type="body" idx="1"/>
-          </p:nvPr>
-        </p:nvSpPr>
-        <p:spPr>
-          <a:xfrm>
-            <a:off x="221963" y="4239552"/>
-            <a:ext cx="6299710" cy="998167"/>
-          </a:xfrm>
-        </p:spPr>
-        <p:txBody>
-          <a:bodyPr/>
-          <a:lstStyle/>
-          <a:p>
-            <a:r>
-              <a:rPr lang="en-US" dirty="0"/>
-              <a:t>Jogger text: </a:t>
-            </a:r>
-            <a:r>
-              <a:rPr lang="en-US" dirty="0" err="1"/>
-              <a:t>Func</a:t>
-            </a:r>
-            <a:r>
-              <a:rPr lang="en-US" dirty="0"/>
-              <a:t>&lt;T,R&gt; Delegate</a:t>
-            </a:r>
-          </a:p>
-          <a:p>
-            <a:r>
-              <a:rPr lang="en-US" dirty="0"/>
-              <a:t>Direction: Right</a:t>
-            </a:r>
-          </a:p>
-          <a:p>
-            <a:r>
-              <a:rPr lang="en-US" dirty="0"/>
-              <a:t>Instructor notes:</a:t>
-            </a:r>
-          </a:p>
-          <a:p>
-            <a:endParaRPr lang="en-US" dirty="0"/>
-          </a:p>
-        </p:txBody>
-      </p:sp>
-    </p:spTree>
-  </p:cSld>
-  <p:clrMapOvr>
-    <a:masterClrMapping/>
-  </p:clrMapOvr>
-</p:notes>
-</file>
-
-<file path=ppt/notesSlides/notesSlide11.xml><?xml version="1.0" encoding="utf-8"?>
-<p:notes xmlns:a="http://schemas.openxmlformats.org/drawingml/2006/main" xmlns:r="http://schemas.openxmlformats.org/officeDocument/2006/relationships" xmlns:p="http://schemas.openxmlformats.org/presentationml/2006/main">
-  <p:cSld>
-    <p:spTree>
-      <p:nvGrpSpPr>
-        <p:cNvPr id="1" name=""/>
-        <p:cNvGrpSpPr/>
-        <p:nvPr/>
-      </p:nvGrpSpPr>
-      <p:grpSpPr>
-        <a:xfrm>
-          <a:off x="0" y="0"/>
-          <a:ext cx="0" cy="0"/>
-          <a:chOff x="0" y="0"/>
-          <a:chExt cx="0" cy="0"/>
-        </a:xfrm>
-      </p:grpSpPr>
-      <p:sp>
-        <p:nvSpPr>
-          <p:cNvPr id="5" name="TextBox 4" hidden="1"/>
-          <p:cNvSpPr txBox="1"/>
-          <p:nvPr/>
-        </p:nvSpPr>
-        <p:spPr>
-          <a:xfrm>
-            <a:off x="2219619" y="408140"/>
-            <a:ext cx="3699365" cy="215720"/>
-          </a:xfrm>
-          <a:prstGeom prst="rect">
-            <a:avLst/>
-          </a:prstGeom>
-          <a:noFill/>
-        </p:spPr>
-        <p:txBody>
-          <a:bodyPr vert="horz" lIns="91577" tIns="45789" rIns="91577" bIns="45789" rtlCol="0">
-            <a:spAutoFit/>
-          </a:bodyPr>
-          <a:lstStyle/>
-          <a:p>
-            <a:r>
-              <a:rPr lang="pt-BR" sz="800" dirty="0">
-                <a:solidFill>
-                  <a:srgbClr val="000000"/>
-                </a:solidFill>
-                <a:latin typeface="Arial"/>
-              </a:rPr>
-              <a:t>&lt;*s*o*u*r*c*e*&gt;*9*7*3*a*1*-*7*-*2*9*&lt;*/*s*o*u*r*c*e*&gt;</a:t>
-            </a:r>
-            <a:endParaRPr lang="en-US" sz="800" dirty="0">
-              <a:solidFill>
-                <a:srgbClr val="000000"/>
-              </a:solidFill>
-              <a:latin typeface="Arial"/>
-            </a:endParaRPr>
-          </a:p>
-        </p:txBody>
-      </p:sp>
-      <p:sp>
-        <p:nvSpPr>
-          <p:cNvPr id="499714" name="Rectangle 2"/>
-          <p:cNvSpPr>
-            <a:spLocks noGrp="1" noRot="1" noChangeAspect="1" noChangeArrowheads="1" noTextEdit="1"/>
-          </p:cNvSpPr>
-          <p:nvPr>
-            <p:ph type="sldImg"/>
-          </p:nvPr>
-        </p:nvSpPr>
-        <p:spPr>
-          <a:ln/>
-        </p:spPr>
-      </p:sp>
-      <p:sp>
-        <p:nvSpPr>
-          <p:cNvPr id="499715" name="Rectangle 3"/>
-          <p:cNvSpPr>
-            <a:spLocks noGrp="1" noChangeArrowheads="1"/>
-          </p:cNvSpPr>
-          <p:nvPr>
-            <p:ph type="body" idx="1"/>
-          </p:nvPr>
-        </p:nvSpPr>
-        <p:spPr>
-          <a:xfrm>
-            <a:off x="221963" y="4239552"/>
-            <a:ext cx="6299710" cy="2200033"/>
-          </a:xfrm>
-        </p:spPr>
-        <p:txBody>
-          <a:bodyPr/>
-          <a:lstStyle/>
-          <a:p>
-            <a:r>
-              <a:rPr lang="en-US" dirty="0"/>
-              <a:t>Jogger text: </a:t>
-            </a:r>
-            <a:r>
-              <a:rPr lang="en-US" dirty="0" err="1"/>
-              <a:t>Func</a:t>
-            </a:r>
-            <a:r>
-              <a:rPr lang="en-US" dirty="0"/>
-              <a:t>&lt;T,R&gt; Delegate (continued)</a:t>
-            </a:r>
-          </a:p>
-          <a:p>
-            <a:r>
-              <a:rPr lang="en-US" dirty="0"/>
-              <a:t>Direction: Left</a:t>
-            </a:r>
-          </a:p>
-          <a:p>
-            <a:r>
-              <a:rPr lang="en-US" dirty="0"/>
-              <a:t>Instructor notes:</a:t>
-            </a:r>
-          </a:p>
-          <a:p>
-            <a:r>
-              <a:rPr lang="en-US" dirty="0"/>
-              <a:t>X – </a:t>
-            </a:r>
-            <a:r>
-              <a:rPr lang="en-US" dirty="0" err="1"/>
-              <a:t>IEnumerable</a:t>
-            </a:r>
-            <a:r>
-              <a:rPr lang="en-US" dirty="0"/>
-              <a:t>&lt;Shape&gt;</a:t>
-            </a:r>
-          </a:p>
-          <a:p>
-            <a:r>
-              <a:rPr lang="en-US" dirty="0"/>
-              <a:t>Y – List&lt;Shape&gt;</a:t>
-            </a:r>
-          </a:p>
-          <a:p>
-            <a:r>
-              <a:rPr lang="en-US" dirty="0"/>
-              <a:t>Z A Shape</a:t>
-            </a:r>
-          </a:p>
-          <a:p>
-            <a:endParaRPr lang="en-US" dirty="0"/>
-          </a:p>
-          <a:p>
-            <a:r>
-              <a:rPr lang="en-US" dirty="0"/>
-              <a:t>Answer 2 – a shape.</a:t>
-            </a:r>
-          </a:p>
-          <a:p>
-            <a:endParaRPr lang="en-US" dirty="0"/>
-          </a:p>
-        </p:txBody>
-      </p:sp>
-    </p:spTree>
-  </p:cSld>
-  <p:clrMapOvr>
-    <a:masterClrMapping/>
-  </p:clrMapOvr>
-</p:notes>
-</file>
-
 <file path=ppt/notesSlides/notesSlide2.xml><?xml version="1.0" encoding="utf-8"?>
 <p:notes xmlns:a="http://schemas.openxmlformats.org/drawingml/2006/main" xmlns:r="http://schemas.openxmlformats.org/officeDocument/2006/relationships" xmlns:p="http://schemas.openxmlformats.org/presentationml/2006/main">
   <p:cSld>
@@ -2103,125 +1807,6 @@
           </a:p>
           <a:p>
             <a:endParaRPr lang="en-US" dirty="0"/>
-          </a:p>
-        </p:txBody>
-      </p:sp>
-    </p:spTree>
-  </p:cSld>
-  <p:clrMapOvr>
-    <a:masterClrMapping/>
-  </p:clrMapOvr>
-</p:notes>
-</file>
-
-<file path=ppt/notesSlides/notesSlide9.xml><?xml version="1.0" encoding="utf-8"?>
-<p:notes xmlns:a="http://schemas.openxmlformats.org/drawingml/2006/main" xmlns:r="http://schemas.openxmlformats.org/officeDocument/2006/relationships" xmlns:p="http://schemas.openxmlformats.org/presentationml/2006/main">
-  <p:cSld>
-    <p:spTree>
-      <p:nvGrpSpPr>
-        <p:cNvPr id="1" name=""/>
-        <p:cNvGrpSpPr/>
-        <p:nvPr/>
-      </p:nvGrpSpPr>
-      <p:grpSpPr>
-        <a:xfrm>
-          <a:off x="0" y="0"/>
-          <a:ext cx="0" cy="0"/>
-          <a:chOff x="0" y="0"/>
-          <a:chExt cx="0" cy="0"/>
-        </a:xfrm>
-      </p:grpSpPr>
-      <p:sp>
-        <p:nvSpPr>
-          <p:cNvPr id="5" name="TextBox 4" hidden="1"/>
-          <p:cNvSpPr txBox="1"/>
-          <p:nvPr/>
-        </p:nvSpPr>
-        <p:spPr>
-          <a:xfrm>
-            <a:off x="2219619" y="408140"/>
-            <a:ext cx="3699365" cy="215720"/>
-          </a:xfrm>
-          <a:prstGeom prst="rect">
-            <a:avLst/>
-          </a:prstGeom>
-          <a:noFill/>
-        </p:spPr>
-        <p:txBody>
-          <a:bodyPr vert="horz" lIns="91577" tIns="45789" rIns="91577" bIns="45789" rtlCol="0">
-            <a:spAutoFit/>
-          </a:bodyPr>
-          <a:lstStyle/>
-          <a:p>
-            <a:r>
-              <a:rPr lang="pt-BR" sz="800" dirty="0">
-                <a:solidFill>
-                  <a:srgbClr val="000000"/>
-                </a:solidFill>
-                <a:latin typeface="Arial"/>
-              </a:rPr>
-              <a:t>&lt;*s*o*u*r*c*e*&gt;*9*7*3*a*1*-*7*-*2*5*&lt;*/*s*o*u*r*c*e*&gt;</a:t>
-            </a:r>
-            <a:endParaRPr lang="en-US" sz="800" dirty="0">
-              <a:solidFill>
-                <a:srgbClr val="000000"/>
-              </a:solidFill>
-              <a:latin typeface="Arial"/>
-            </a:endParaRPr>
-          </a:p>
-        </p:txBody>
-      </p:sp>
-      <p:sp>
-        <p:nvSpPr>
-          <p:cNvPr id="2" name="Slide Image Placeholder 1"/>
-          <p:cNvSpPr>
-            <a:spLocks noGrp="1" noRot="1" noChangeAspect="1"/>
-          </p:cNvSpPr>
-          <p:nvPr>
-            <p:ph type="sldImg"/>
-          </p:nvPr>
-        </p:nvSpPr>
-        <p:spPr/>
-      </p:sp>
-      <p:sp>
-        <p:nvSpPr>
-          <p:cNvPr id="3" name="Notes Placeholder 2"/>
-          <p:cNvSpPr>
-            <a:spLocks noGrp="1"/>
-          </p:cNvSpPr>
-          <p:nvPr>
-            <p:ph type="body" idx="1"/>
-          </p:nvPr>
-        </p:nvSpPr>
-        <p:spPr/>
-        <p:txBody>
-          <a:bodyPr>
-            <a:normAutofit/>
-          </a:bodyPr>
-          <a:lstStyle/>
-          <a:p>
-            <a:r>
-              <a:rPr lang="en-US" dirty="0"/>
-              <a:t>Jogger text: Lambda Expressions (continued)</a:t>
-            </a:r>
-          </a:p>
-          <a:p>
-            <a:r>
-              <a:rPr lang="en-US" dirty="0"/>
-              <a:t>Direction: Right</a:t>
-            </a:r>
-          </a:p>
-          <a:p>
-            <a:r>
-              <a:rPr lang="en-US" dirty="0"/>
-              <a:t>Instructor notes:</a:t>
-            </a:r>
-          </a:p>
-          <a:p>
-            <a:r>
-              <a:rPr lang="en-US" dirty="0"/>
-              <a:t>What would the delegate be for this lambda expression?</a:t>
-            </a:r>
           </a:p>
         </p:txBody>
       </p:sp>
@@ -2364,7 +1949,7 @@
           <a:graphicData uri="http://schemas.openxmlformats.org/presentationml/2006/ole">
             <mc:AlternateContent xmlns:mc="http://schemas.openxmlformats.org/markup-compatibility/2006">
               <mc:Choice xmlns:v="urn:schemas-microsoft-com:vml" Requires="v">
-                <p:oleObj spid="_x0000_s3074" name="Bitmap Image" r:id="rId3" imgW="5439057" imgH="1733627" progId="PBrush">
+                <p:oleObj name="Bitmap Image" r:id="rId3" imgW="5439057" imgH="1733627" progId="PBrush">
                   <p:embed/>
                 </p:oleObj>
               </mc:Choice>
@@ -18758,1640 +18343,6 @@
             <a:r>
               <a:rPr lang="fr-FR" noProof="0" dirty="0"/>
               <a:t>Chapitre 8</a:t>
-            </a:r>
-          </a:p>
-        </p:txBody>
-      </p:sp>
-    </p:spTree>
-    <p:custDataLst>
-      <p:tags r:id="rId1"/>
-    </p:custDataLst>
-  </p:cSld>
-  <p:clrMapOvr>
-    <a:masterClrMapping/>
-  </p:clrMapOvr>
-</p:sld>
-</file>
-
-<file path=ppt/slides/slide10.xml><?xml version="1.0" encoding="utf-8"?>
-<p:sld xmlns:a="http://schemas.openxmlformats.org/drawingml/2006/main" xmlns:r="http://schemas.openxmlformats.org/officeDocument/2006/relationships" xmlns:p="http://schemas.openxmlformats.org/presentationml/2006/main">
-  <p:cSld>
-    <p:spTree>
-      <p:nvGrpSpPr>
-        <p:cNvPr id="1" name=""/>
-        <p:cNvGrpSpPr/>
-        <p:nvPr/>
-      </p:nvGrpSpPr>
-      <p:grpSpPr>
-        <a:xfrm>
-          <a:off x="0" y="0"/>
-          <a:ext cx="0" cy="0"/>
-          <a:chOff x="0" y="0"/>
-          <a:chExt cx="0" cy="0"/>
-        </a:xfrm>
-      </p:grpSpPr>
-      <p:sp>
-        <p:nvSpPr>
-          <p:cNvPr id="539650" name="Rectangle 2"/>
-          <p:cNvSpPr>
-            <a:spLocks noGrp="1" noChangeArrowheads="1"/>
-          </p:cNvSpPr>
-          <p:nvPr>
-            <p:ph type="title"/>
-          </p:nvPr>
-        </p:nvSpPr>
-        <p:spPr/>
-        <p:txBody>
-          <a:bodyPr/>
-          <a:lstStyle/>
-          <a:p>
-            <a:r>
-              <a:rPr lang="fr-FR" dirty="0"/>
-              <a:t>Délégués génériques</a:t>
-            </a:r>
-            <a:endParaRPr lang="fr-FR" noProof="0" dirty="0"/>
-          </a:p>
-        </p:txBody>
-      </p:sp>
-      <p:sp>
-        <p:nvSpPr>
-          <p:cNvPr id="539651" name="Rectangle 3"/>
-          <p:cNvSpPr>
-            <a:spLocks noGrp="1" noChangeArrowheads="1"/>
-          </p:cNvSpPr>
-          <p:nvPr>
-            <p:ph idx="1"/>
-          </p:nvPr>
-        </p:nvSpPr>
-        <p:spPr>
-          <a:xfrm>
-            <a:off x="279400" y="1312863"/>
-            <a:ext cx="8599488" cy="2010807"/>
-          </a:xfrm>
-        </p:spPr>
-        <p:txBody>
-          <a:bodyPr/>
-          <a:lstStyle/>
-          <a:p>
-            <a:r>
-              <a:rPr lang="fr-FR" noProof="0" dirty="0"/>
-              <a:t>On peut utiliser un </a:t>
-            </a:r>
-            <a:r>
-              <a:rPr lang="fr-FR" i="1" dirty="0">
-                <a:latin typeface="Century Schoolbook" pitchFamily="18" charset="0"/>
-              </a:rPr>
-              <a:t>délégué générique </a:t>
-            </a:r>
-            <a:r>
-              <a:rPr lang="fr-FR" noProof="0" dirty="0"/>
-              <a:t>de la forme </a:t>
-            </a:r>
-            <a:r>
-              <a:rPr lang="fr-FR" noProof="0" dirty="0" err="1">
-                <a:latin typeface="Courier New" pitchFamily="49" charset="0"/>
-              </a:rPr>
-              <a:t>Func</a:t>
-            </a:r>
-            <a:r>
-              <a:rPr lang="fr-FR" noProof="0" dirty="0">
-                <a:latin typeface="Courier New" pitchFamily="49" charset="0"/>
-              </a:rPr>
-              <a:t>&lt;T,R&gt;</a:t>
-            </a:r>
-            <a:r>
-              <a:rPr lang="fr-FR" noProof="0" dirty="0"/>
-              <a:t> pour stocker une expression lambda dans une variable</a:t>
-            </a:r>
-          </a:p>
-          <a:p>
-            <a:pPr lvl="1"/>
-            <a:r>
-              <a:rPr lang="fr-FR" noProof="0" dirty="0">
-                <a:latin typeface="Courier New" pitchFamily="49" charset="0"/>
-                <a:cs typeface="Courier New" pitchFamily="49" charset="0"/>
-              </a:rPr>
-              <a:t>T</a:t>
-            </a:r>
-            <a:r>
-              <a:rPr lang="fr-FR" noProof="0" dirty="0"/>
-              <a:t> est le type de la cible, </a:t>
-            </a:r>
-            <a:r>
-              <a:rPr lang="fr-FR" noProof="0" dirty="0">
-                <a:latin typeface="Courier New" pitchFamily="49" charset="0"/>
-                <a:cs typeface="Courier New" pitchFamily="49" charset="0"/>
-              </a:rPr>
-              <a:t>R</a:t>
-            </a:r>
-            <a:r>
-              <a:rPr lang="fr-FR" noProof="0" dirty="0"/>
-              <a:t> est le type de retour</a:t>
-            </a:r>
-          </a:p>
-          <a:p>
-            <a:pPr lvl="1"/>
-            <a:r>
-              <a:rPr lang="fr-FR" dirty="0"/>
-              <a:t>On peut également avoir un ou plusieurs arguments </a:t>
-            </a:r>
-            <a:r>
-              <a:rPr lang="fr-FR" dirty="0">
-                <a:latin typeface="Courier New" pitchFamily="49" charset="0"/>
-                <a:cs typeface="Courier New" pitchFamily="49" charset="0"/>
-              </a:rPr>
-              <a:t>T</a:t>
-            </a:r>
-          </a:p>
-          <a:p>
-            <a:pPr lvl="2"/>
-            <a:r>
-              <a:rPr lang="fr-FR" noProof="0" dirty="0"/>
-              <a:t>Par exemple : </a:t>
-            </a:r>
-            <a:r>
-              <a:rPr lang="fr-FR" dirty="0" err="1">
-                <a:latin typeface="Courier New" pitchFamily="49" charset="0"/>
-                <a:cs typeface="Courier New" pitchFamily="49" charset="0"/>
-              </a:rPr>
-              <a:t>Func</a:t>
-            </a:r>
-            <a:r>
-              <a:rPr lang="fr-FR" dirty="0">
-                <a:latin typeface="Courier New" pitchFamily="49" charset="0"/>
-                <a:cs typeface="Courier New" pitchFamily="49" charset="0"/>
-              </a:rPr>
-              <a:t>&lt;T,T,R&gt;</a:t>
-            </a:r>
-            <a:r>
-              <a:rPr lang="fr-FR" dirty="0"/>
-              <a:t>, </a:t>
-            </a:r>
-            <a:r>
-              <a:rPr lang="fr-FR" dirty="0" err="1">
-                <a:latin typeface="Courier New" pitchFamily="49" charset="0"/>
-                <a:cs typeface="Courier New" pitchFamily="49" charset="0"/>
-              </a:rPr>
-              <a:t>Func</a:t>
-            </a:r>
-            <a:r>
-              <a:rPr lang="fr-FR" dirty="0">
-                <a:latin typeface="Courier New" pitchFamily="49" charset="0"/>
-                <a:cs typeface="Courier New" pitchFamily="49" charset="0"/>
-              </a:rPr>
-              <a:t>&lt;T,T,T,R&gt;</a:t>
-            </a:r>
-            <a:r>
-              <a:rPr lang="fr-FR" dirty="0"/>
-              <a:t>, etc.</a:t>
-            </a:r>
-            <a:endParaRPr lang="fr-FR" noProof="0" dirty="0"/>
-          </a:p>
-          <a:p>
-            <a:r>
-              <a:rPr lang="fr-FR" noProof="0" dirty="0"/>
-              <a:t>Par exemple, notre type de cible est </a:t>
-            </a:r>
-            <a:r>
-              <a:rPr lang="fr-FR" noProof="0" dirty="0">
-                <a:latin typeface="Courier New" pitchFamily="49" charset="0"/>
-              </a:rPr>
-              <a:t>Dog</a:t>
-            </a:r>
-            <a:r>
-              <a:rPr lang="fr-FR" noProof="0" dirty="0"/>
-              <a:t> et le type de retour est </a:t>
-            </a:r>
-            <a:r>
-              <a:rPr lang="fr-FR" noProof="0" dirty="0" err="1">
-                <a:latin typeface="Courier New" pitchFamily="49" charset="0"/>
-              </a:rPr>
-              <a:t>bool</a:t>
-            </a:r>
-            <a:endParaRPr lang="fr-FR" noProof="0" dirty="0">
-              <a:latin typeface="Courier New" pitchFamily="49" charset="0"/>
-            </a:endParaRPr>
-          </a:p>
-        </p:txBody>
-      </p:sp>
-      <p:sp>
-        <p:nvSpPr>
-          <p:cNvPr id="539653" name="Rectangle 5"/>
-          <p:cNvSpPr>
-            <a:spLocks noChangeArrowheads="1"/>
-          </p:cNvSpPr>
-          <p:nvPr/>
-        </p:nvSpPr>
-        <p:spPr bwMode="gray">
-          <a:xfrm>
-            <a:off x="1017588" y="3592206"/>
-            <a:ext cx="7024687" cy="1801813"/>
-          </a:xfrm>
-          <a:prstGeom prst="rect">
-            <a:avLst/>
-          </a:prstGeom>
-          <a:solidFill>
-            <a:schemeClr val="accent1"/>
-          </a:solidFill>
-          <a:ln w="12700">
-            <a:solidFill>
-              <a:schemeClr val="tx1"/>
-            </a:solidFill>
-            <a:miter lim="800000"/>
-            <a:headEnd/>
-            <a:tailEnd/>
-          </a:ln>
-          <a:effectLst>
-            <a:outerShdw dist="53882" dir="2700000" algn="ctr" rotWithShape="0">
-              <a:schemeClr val="tx1"/>
-            </a:outerShdw>
-          </a:effectLst>
-        </p:spPr>
-        <p:txBody>
-          <a:bodyPr lIns="92075" tIns="46038" rIns="92075" bIns="46038">
-            <a:spAutoFit/>
-          </a:bodyPr>
-          <a:lstStyle/>
-          <a:p>
-            <a:pPr>
-              <a:lnSpc>
-                <a:spcPct val="90000"/>
-              </a:lnSpc>
-              <a:spcBef>
-                <a:spcPts val="200"/>
-              </a:spcBef>
-              <a:buClr>
-                <a:schemeClr val="accent2"/>
-              </a:buClr>
-              <a:buSzPct val="115000"/>
-              <a:buFont typeface="Arial" charset="0"/>
-              <a:buNone/>
-            </a:pPr>
-            <a:r>
-              <a:rPr lang="en-US" sz="1600" b="0" dirty="0">
-                <a:solidFill>
-                  <a:srgbClr val="000080"/>
-                </a:solidFill>
-                <a:latin typeface="Courier New" pitchFamily="49" charset="0"/>
-              </a:rPr>
-              <a:t>List&lt;Dog&gt; dogs = </a:t>
-            </a:r>
-            <a:r>
-              <a:rPr lang="en-US" sz="1600" b="0" i="1" dirty="0">
-                <a:solidFill>
-                  <a:srgbClr val="000080"/>
-                </a:solidFill>
-                <a:latin typeface="Courier New" pitchFamily="49" charset="0"/>
-              </a:rPr>
-              <a:t>...load all dogs...</a:t>
-            </a:r>
-          </a:p>
-          <a:p>
-            <a:pPr>
-              <a:lnSpc>
-                <a:spcPct val="90000"/>
-              </a:lnSpc>
-              <a:spcBef>
-                <a:spcPts val="200"/>
-              </a:spcBef>
-              <a:buClr>
-                <a:schemeClr val="accent2"/>
-              </a:buClr>
-              <a:buSzPct val="115000"/>
-              <a:buFont typeface="Arial" charset="0"/>
-              <a:buNone/>
-            </a:pPr>
-            <a:endParaRPr lang="en-US" sz="1600" b="0" dirty="0">
-              <a:solidFill>
-                <a:srgbClr val="000080"/>
-              </a:solidFill>
-              <a:latin typeface="Courier New" pitchFamily="49" charset="0"/>
-            </a:endParaRPr>
-          </a:p>
-          <a:p>
-            <a:pPr>
-              <a:lnSpc>
-                <a:spcPct val="90000"/>
-              </a:lnSpc>
-              <a:spcBef>
-                <a:spcPts val="200"/>
-              </a:spcBef>
-              <a:buClr>
-                <a:schemeClr val="accent2"/>
-              </a:buClr>
-              <a:buSzPct val="115000"/>
-              <a:buFont typeface="Arial" charset="0"/>
-              <a:buNone/>
-            </a:pPr>
-            <a:r>
-              <a:rPr lang="en-US" sz="1600" b="0" dirty="0">
-                <a:solidFill>
-                  <a:srgbClr val="000080"/>
-                </a:solidFill>
-                <a:latin typeface="Courier New" pitchFamily="49" charset="0"/>
-              </a:rPr>
-              <a:t>Func&lt;Dog,bool&gt; IsWestie = </a:t>
-            </a:r>
-            <a:r>
-              <a:rPr lang="en-US" b="0" dirty="0">
-                <a:solidFill>
-                  <a:srgbClr val="000080"/>
-                </a:solidFill>
-                <a:latin typeface="Courier New" pitchFamily="49" charset="0"/>
-              </a:rPr>
-              <a:t>(d =&gt; d.Breed == "Westie");</a:t>
-            </a:r>
-          </a:p>
-          <a:p>
-            <a:pPr>
-              <a:lnSpc>
-                <a:spcPct val="90000"/>
-              </a:lnSpc>
-              <a:spcBef>
-                <a:spcPts val="200"/>
-              </a:spcBef>
-              <a:buClr>
-                <a:schemeClr val="accent2"/>
-              </a:buClr>
-              <a:buSzPct val="115000"/>
-              <a:buFont typeface="Arial" charset="0"/>
-              <a:buNone/>
-            </a:pPr>
-            <a:endParaRPr lang="en-US" sz="1600" b="0" dirty="0">
-              <a:solidFill>
-                <a:srgbClr val="000080"/>
-              </a:solidFill>
-              <a:latin typeface="Courier New" pitchFamily="49" charset="0"/>
-            </a:endParaRPr>
-          </a:p>
-          <a:p>
-            <a:pPr>
-              <a:lnSpc>
-                <a:spcPct val="90000"/>
-              </a:lnSpc>
-              <a:spcBef>
-                <a:spcPts val="200"/>
-              </a:spcBef>
-              <a:buClr>
-                <a:schemeClr val="accent2"/>
-              </a:buClr>
-              <a:buSzPct val="115000"/>
-              <a:buFont typeface="Arial" charset="0"/>
-              <a:buNone/>
-            </a:pPr>
-            <a:r>
-              <a:rPr lang="en-US" sz="1600" b="1" dirty="0">
-                <a:solidFill>
-                  <a:srgbClr val="000080"/>
-                </a:solidFill>
-                <a:latin typeface="Courier New" pitchFamily="49" charset="0"/>
-              </a:rPr>
-              <a:t>foreach</a:t>
-            </a:r>
-            <a:r>
-              <a:rPr lang="en-US" sz="1600" b="0" dirty="0">
-                <a:solidFill>
-                  <a:srgbClr val="000080"/>
-                </a:solidFill>
-                <a:latin typeface="Courier New" pitchFamily="49" charset="0"/>
-              </a:rPr>
-              <a:t> (Dog d </a:t>
-            </a:r>
-            <a:r>
-              <a:rPr lang="en-US" sz="1600" b="1" dirty="0">
-                <a:solidFill>
-                  <a:srgbClr val="000080"/>
-                </a:solidFill>
-                <a:latin typeface="Courier New" pitchFamily="49" charset="0"/>
-              </a:rPr>
-              <a:t>in</a:t>
-            </a:r>
-            <a:r>
-              <a:rPr lang="en-US" sz="1600" b="0" dirty="0">
-                <a:solidFill>
-                  <a:srgbClr val="000080"/>
-                </a:solidFill>
-                <a:latin typeface="Courier New" pitchFamily="49" charset="0"/>
-              </a:rPr>
-              <a:t> dogs.Where(IsWestie).OrderBy(d.Age))</a:t>
-            </a:r>
-          </a:p>
-          <a:p>
-            <a:pPr>
-              <a:lnSpc>
-                <a:spcPct val="90000"/>
-              </a:lnSpc>
-              <a:spcBef>
-                <a:spcPts val="200"/>
-              </a:spcBef>
-              <a:buClr>
-                <a:schemeClr val="accent2"/>
-              </a:buClr>
-              <a:buSzPct val="115000"/>
-              <a:buFont typeface="Arial" charset="0"/>
-              <a:buNone/>
-            </a:pPr>
-            <a:r>
-              <a:rPr lang="en-US" sz="1600" b="0" i="1" dirty="0">
-                <a:solidFill>
-                  <a:srgbClr val="000080"/>
-                </a:solidFill>
-                <a:latin typeface="Courier New" pitchFamily="49" charset="0"/>
-              </a:rPr>
-              <a:t>  ...process the westies...</a:t>
-            </a:r>
-          </a:p>
-          <a:p>
-            <a:pPr>
-              <a:lnSpc>
-                <a:spcPct val="90000"/>
-              </a:lnSpc>
-              <a:spcBef>
-                <a:spcPts val="200"/>
-              </a:spcBef>
-              <a:buClr>
-                <a:schemeClr val="accent2"/>
-              </a:buClr>
-              <a:buSzPct val="115000"/>
-              <a:buFont typeface="Arial" charset="0"/>
-              <a:buNone/>
-            </a:pPr>
-            <a:r>
-              <a:rPr lang="en-US" sz="1600" b="0" dirty="0">
-                <a:solidFill>
-                  <a:srgbClr val="000080"/>
-                </a:solidFill>
-                <a:latin typeface="Courier New" pitchFamily="49" charset="0"/>
-              </a:rPr>
-              <a:t>}</a:t>
-            </a:r>
-          </a:p>
-        </p:txBody>
-      </p:sp>
-    </p:spTree>
-    <p:custDataLst>
-      <p:tags r:id="rId1"/>
-    </p:custDataLst>
-  </p:cSld>
-  <p:clrMapOvr>
-    <a:masterClrMapping/>
-  </p:clrMapOvr>
-</p:sld>
-</file>
-
-<file path=ppt/slides/slide11.xml><?xml version="1.0" encoding="utf-8"?>
-<p:sld xmlns:a="http://schemas.openxmlformats.org/drawingml/2006/main" xmlns:r="http://schemas.openxmlformats.org/officeDocument/2006/relationships" xmlns:p="http://schemas.openxmlformats.org/presentationml/2006/main">
-  <p:cSld>
-    <p:spTree>
-      <p:nvGrpSpPr>
-        <p:cNvPr id="1" name=""/>
-        <p:cNvGrpSpPr/>
-        <p:nvPr/>
-      </p:nvGrpSpPr>
-      <p:grpSpPr>
-        <a:xfrm>
-          <a:off x="0" y="0"/>
-          <a:ext cx="0" cy="0"/>
-          <a:chOff x="0" y="0"/>
-          <a:chExt cx="0" cy="0"/>
-        </a:xfrm>
-      </p:grpSpPr>
-      <p:sp>
-        <p:nvSpPr>
-          <p:cNvPr id="498690" name="Rectangle 2"/>
-          <p:cNvSpPr>
-            <a:spLocks noGrp="1" noChangeArrowheads="1"/>
-          </p:cNvSpPr>
-          <p:nvPr>
-            <p:ph type="title"/>
-          </p:nvPr>
-        </p:nvSpPr>
-        <p:spPr/>
-        <p:txBody>
-          <a:bodyPr/>
-          <a:lstStyle/>
-          <a:p>
-            <a:r>
-              <a:rPr lang="fr-FR" dirty="0"/>
-              <a:t>Délégués génériques</a:t>
-            </a:r>
-            <a:br>
-              <a:rPr lang="fr-FR" noProof="0" dirty="0"/>
-            </a:br>
-            <a:r>
-              <a:rPr lang="fr-FR" noProof="0" dirty="0"/>
-              <a:t>(suite)</a:t>
-            </a:r>
-          </a:p>
-        </p:txBody>
-      </p:sp>
-      <p:sp>
-        <p:nvSpPr>
-          <p:cNvPr id="498691" name="Rectangle 3"/>
-          <p:cNvSpPr>
-            <a:spLocks noGrp="1" noChangeArrowheads="1"/>
-          </p:cNvSpPr>
-          <p:nvPr>
-            <p:ph idx="1"/>
-          </p:nvPr>
-        </p:nvSpPr>
-        <p:spPr>
-          <a:xfrm>
-            <a:off x="279399" y="1312863"/>
-            <a:ext cx="8719745" cy="4755148"/>
-          </a:xfrm>
-        </p:spPr>
-        <p:txBody>
-          <a:bodyPr/>
-          <a:lstStyle/>
-          <a:p>
-            <a:r>
-              <a:rPr lang="fr-FR" noProof="0" dirty="0"/>
-              <a:t>Particulièrement utile si une expression lambda est utilisée plusieurs fois</a:t>
-            </a:r>
-          </a:p>
-          <a:p>
-            <a:endParaRPr lang="fr-FR" noProof="0" dirty="0"/>
-          </a:p>
-          <a:p>
-            <a:endParaRPr lang="fr-FR" noProof="0" dirty="0"/>
-          </a:p>
-          <a:p>
-            <a:endParaRPr lang="fr-FR" noProof="0" dirty="0"/>
-          </a:p>
-          <a:p>
-            <a:endParaRPr lang="fr-FR" noProof="0" dirty="0"/>
-          </a:p>
-          <a:p>
-            <a:endParaRPr lang="fr-FR" noProof="0" dirty="0"/>
-          </a:p>
-          <a:p>
-            <a:endParaRPr lang="fr-FR" noProof="0" dirty="0"/>
-          </a:p>
-          <a:p>
-            <a:endParaRPr lang="fr-FR" noProof="0" dirty="0"/>
-          </a:p>
-          <a:p>
-            <a:r>
-              <a:rPr lang="fr-FR" noProof="0" dirty="0"/>
-              <a:t>Quels seraient chaque type de donnée de </a:t>
-            </a:r>
-            <a:r>
-              <a:rPr lang="fr-FR" noProof="0" dirty="0">
-                <a:latin typeface="Courier New" pitchFamily="49" charset="0"/>
-              </a:rPr>
-              <a:t>x</a:t>
-            </a:r>
-            <a:r>
-              <a:rPr lang="fr-FR" noProof="0" dirty="0"/>
-              <a:t>, </a:t>
-            </a:r>
-            <a:r>
-              <a:rPr lang="fr-FR" noProof="0" dirty="0">
-                <a:latin typeface="Courier New" pitchFamily="49" charset="0"/>
-              </a:rPr>
-              <a:t>y</a:t>
-            </a:r>
-            <a:r>
-              <a:rPr lang="fr-FR" noProof="0" dirty="0"/>
-              <a:t> et </a:t>
-            </a:r>
-            <a:r>
-              <a:rPr lang="fr-FR" noProof="0" dirty="0">
-                <a:latin typeface="Courier New" pitchFamily="49" charset="0"/>
-              </a:rPr>
-              <a:t>z</a:t>
-            </a:r>
-            <a:r>
-              <a:rPr lang="fr-FR" noProof="0" dirty="0"/>
-              <a:t> dans l’exemple </a:t>
-            </a:r>
-            <a:br>
-              <a:rPr lang="fr-FR" noProof="0" dirty="0"/>
-            </a:br>
-            <a:r>
-              <a:rPr lang="fr-FR" noProof="0" dirty="0"/>
-              <a:t>précédent ?</a:t>
-            </a:r>
-          </a:p>
-          <a:p>
-            <a:pPr>
-              <a:buNone/>
-            </a:pPr>
-            <a:r>
-              <a:rPr lang="fr-FR" noProof="0" dirty="0"/>
-              <a:t>	</a:t>
-            </a:r>
-            <a:r>
-              <a:rPr lang="fr-FR" b="0" u="sng" noProof="0" dirty="0"/>
-              <a:t>									</a:t>
-            </a:r>
-            <a:endParaRPr lang="fr-FR" noProof="0" dirty="0"/>
-          </a:p>
-        </p:txBody>
-      </p:sp>
-      <p:grpSp>
-        <p:nvGrpSpPr>
-          <p:cNvPr id="2" name="Group 5"/>
-          <p:cNvGrpSpPr>
-            <a:grpSpLocks/>
-          </p:cNvGrpSpPr>
-          <p:nvPr/>
-        </p:nvGrpSpPr>
-        <p:grpSpPr bwMode="gray">
-          <a:xfrm>
-            <a:off x="153988" y="4927663"/>
-            <a:ext cx="374650" cy="269875"/>
-            <a:chOff x="590" y="209"/>
-            <a:chExt cx="236" cy="170"/>
-          </a:xfrm>
-        </p:grpSpPr>
-        <p:sp>
-          <p:nvSpPr>
-            <p:cNvPr id="498694" name="Oval 6"/>
-            <p:cNvSpPr>
-              <a:spLocks noChangeArrowheads="1"/>
-            </p:cNvSpPr>
-            <p:nvPr/>
-          </p:nvSpPr>
-          <p:spPr bwMode="gray">
-            <a:xfrm>
-              <a:off x="590" y="234"/>
-              <a:ext cx="236" cy="145"/>
-            </a:xfrm>
-            <a:prstGeom prst="ellipse">
-              <a:avLst/>
-            </a:prstGeom>
-            <a:solidFill>
-              <a:srgbClr val="FFFFCC"/>
-            </a:solidFill>
-            <a:ln w="12700">
-              <a:solidFill>
-                <a:srgbClr val="000099"/>
-              </a:solidFill>
-              <a:round/>
-              <a:headEnd/>
-              <a:tailEnd/>
-            </a:ln>
-            <a:effectLst>
-              <a:outerShdw dist="35921" dir="2700000" algn="ctr" rotWithShape="0">
-                <a:srgbClr val="000099"/>
-              </a:outerShdw>
-            </a:effectLst>
-          </p:spPr>
-          <p:txBody>
-            <a:bodyPr anchor="ctr">
-              <a:spAutoFit/>
-            </a:bodyPr>
-            <a:lstStyle/>
-            <a:p>
-              <a:endParaRPr lang="en-US" dirty="0"/>
-            </a:p>
-          </p:txBody>
-        </p:sp>
-        <p:sp>
-          <p:nvSpPr>
-            <p:cNvPr id="498695" name="Freeform 7"/>
-            <p:cNvSpPr>
-              <a:spLocks/>
-            </p:cNvSpPr>
-            <p:nvPr/>
-          </p:nvSpPr>
-          <p:spPr bwMode="gray">
-            <a:xfrm>
-              <a:off x="688" y="335"/>
-              <a:ext cx="38" cy="36"/>
-            </a:xfrm>
-            <a:custGeom>
-              <a:avLst/>
-              <a:gdLst/>
-              <a:ahLst/>
-              <a:cxnLst>
-                <a:cxn ang="0">
-                  <a:pos x="20" y="0"/>
-                </a:cxn>
-                <a:cxn ang="0">
-                  <a:pos x="26" y="0"/>
-                </a:cxn>
-                <a:cxn ang="0">
-                  <a:pos x="32" y="4"/>
-                </a:cxn>
-                <a:cxn ang="0">
-                  <a:pos x="32" y="4"/>
-                </a:cxn>
-                <a:cxn ang="0">
-                  <a:pos x="36" y="10"/>
-                </a:cxn>
-                <a:cxn ang="0">
-                  <a:pos x="38" y="18"/>
-                </a:cxn>
-                <a:cxn ang="0">
-                  <a:pos x="38" y="18"/>
-                </a:cxn>
-                <a:cxn ang="0">
-                  <a:pos x="36" y="26"/>
-                </a:cxn>
-                <a:cxn ang="0">
-                  <a:pos x="32" y="32"/>
-                </a:cxn>
-                <a:cxn ang="0">
-                  <a:pos x="32" y="32"/>
-                </a:cxn>
-                <a:cxn ang="0">
-                  <a:pos x="26" y="36"/>
-                </a:cxn>
-                <a:cxn ang="0">
-                  <a:pos x="20" y="36"/>
-                </a:cxn>
-                <a:cxn ang="0">
-                  <a:pos x="20" y="36"/>
-                </a:cxn>
-                <a:cxn ang="0">
-                  <a:pos x="12" y="36"/>
-                </a:cxn>
-                <a:cxn ang="0">
-                  <a:pos x="6" y="32"/>
-                </a:cxn>
-                <a:cxn ang="0">
-                  <a:pos x="6" y="32"/>
-                </a:cxn>
-                <a:cxn ang="0">
-                  <a:pos x="2" y="26"/>
-                </a:cxn>
-                <a:cxn ang="0">
-                  <a:pos x="0" y="18"/>
-                </a:cxn>
-                <a:cxn ang="0">
-                  <a:pos x="0" y="18"/>
-                </a:cxn>
-                <a:cxn ang="0">
-                  <a:pos x="2" y="10"/>
-                </a:cxn>
-                <a:cxn ang="0">
-                  <a:pos x="6" y="4"/>
-                </a:cxn>
-                <a:cxn ang="0">
-                  <a:pos x="6" y="4"/>
-                </a:cxn>
-                <a:cxn ang="0">
-                  <a:pos x="12" y="0"/>
-                </a:cxn>
-                <a:cxn ang="0">
-                  <a:pos x="20" y="0"/>
-                </a:cxn>
-                <a:cxn ang="0">
-                  <a:pos x="20" y="0"/>
-                </a:cxn>
-                <a:cxn ang="0">
-                  <a:pos x="20" y="0"/>
-                </a:cxn>
-              </a:cxnLst>
-              <a:rect l="0" t="0" r="r" b="b"/>
-              <a:pathLst>
-                <a:path w="38" h="36">
-                  <a:moveTo>
-                    <a:pt x="20" y="0"/>
-                  </a:moveTo>
-                  <a:lnTo>
-                    <a:pt x="26" y="0"/>
-                  </a:lnTo>
-                  <a:lnTo>
-                    <a:pt x="32" y="4"/>
-                  </a:lnTo>
-                  <a:lnTo>
-                    <a:pt x="32" y="4"/>
-                  </a:lnTo>
-                  <a:lnTo>
-                    <a:pt x="36" y="10"/>
-                  </a:lnTo>
-                  <a:lnTo>
-                    <a:pt x="38" y="18"/>
-                  </a:lnTo>
-                  <a:lnTo>
-                    <a:pt x="38" y="18"/>
-                  </a:lnTo>
-                  <a:lnTo>
-                    <a:pt x="36" y="26"/>
-                  </a:lnTo>
-                  <a:lnTo>
-                    <a:pt x="32" y="32"/>
-                  </a:lnTo>
-                  <a:lnTo>
-                    <a:pt x="32" y="32"/>
-                  </a:lnTo>
-                  <a:lnTo>
-                    <a:pt x="26" y="36"/>
-                  </a:lnTo>
-                  <a:lnTo>
-                    <a:pt x="20" y="36"/>
-                  </a:lnTo>
-                  <a:lnTo>
-                    <a:pt x="20" y="36"/>
-                  </a:lnTo>
-                  <a:lnTo>
-                    <a:pt x="12" y="36"/>
-                  </a:lnTo>
-                  <a:lnTo>
-                    <a:pt x="6" y="32"/>
-                  </a:lnTo>
-                  <a:lnTo>
-                    <a:pt x="6" y="32"/>
-                  </a:lnTo>
-                  <a:lnTo>
-                    <a:pt x="2" y="26"/>
-                  </a:lnTo>
-                  <a:lnTo>
-                    <a:pt x="0" y="18"/>
-                  </a:lnTo>
-                  <a:lnTo>
-                    <a:pt x="0" y="18"/>
-                  </a:lnTo>
-                  <a:lnTo>
-                    <a:pt x="2" y="10"/>
-                  </a:lnTo>
-                  <a:lnTo>
-                    <a:pt x="6" y="4"/>
-                  </a:lnTo>
-                  <a:lnTo>
-                    <a:pt x="6" y="4"/>
-                  </a:lnTo>
-                  <a:lnTo>
-                    <a:pt x="12" y="0"/>
-                  </a:lnTo>
-                  <a:lnTo>
-                    <a:pt x="20" y="0"/>
-                  </a:lnTo>
-                  <a:lnTo>
-                    <a:pt x="20" y="0"/>
-                  </a:lnTo>
-                  <a:lnTo>
-                    <a:pt x="20" y="0"/>
-                  </a:lnTo>
-                  <a:close/>
-                </a:path>
-              </a:pathLst>
-            </a:custGeom>
-            <a:solidFill>
-              <a:srgbClr val="CC3300"/>
-            </a:solidFill>
-            <a:ln w="9525">
-              <a:noFill/>
-              <a:round/>
-              <a:headEnd/>
-              <a:tailEnd/>
-            </a:ln>
-          </p:spPr>
-          <p:txBody>
-            <a:bodyPr/>
-            <a:lstStyle/>
-            <a:p>
-              <a:endParaRPr lang="en-US" dirty="0"/>
-            </a:p>
-          </p:txBody>
-        </p:sp>
-        <p:sp>
-          <p:nvSpPr>
-            <p:cNvPr id="498696" name="Oval 8"/>
-            <p:cNvSpPr>
-              <a:spLocks noChangeArrowheads="1"/>
-            </p:cNvSpPr>
-            <p:nvPr/>
-          </p:nvSpPr>
-          <p:spPr bwMode="gray">
-            <a:xfrm>
-              <a:off x="677" y="216"/>
-              <a:ext cx="56" cy="56"/>
-            </a:xfrm>
-            <a:prstGeom prst="ellipse">
-              <a:avLst/>
-            </a:prstGeom>
-            <a:solidFill>
-              <a:srgbClr val="FFFFCC"/>
-            </a:solidFill>
-            <a:ln w="12700">
-              <a:noFill/>
-              <a:round/>
-              <a:headEnd/>
-              <a:tailEnd/>
-            </a:ln>
-            <a:effectLst/>
-          </p:spPr>
-          <p:txBody>
-            <a:bodyPr wrap="none" anchor="ctr">
-              <a:spAutoFit/>
-            </a:bodyPr>
-            <a:lstStyle/>
-            <a:p>
-              <a:endParaRPr lang="en-US" dirty="0"/>
-            </a:p>
-          </p:txBody>
-        </p:sp>
-        <p:sp>
-          <p:nvSpPr>
-            <p:cNvPr id="498697" name="Freeform 9"/>
-            <p:cNvSpPr>
-              <a:spLocks/>
-            </p:cNvSpPr>
-            <p:nvPr/>
-          </p:nvSpPr>
-          <p:spPr bwMode="gray">
-            <a:xfrm>
-              <a:off x="666" y="209"/>
-              <a:ext cx="86" cy="118"/>
-            </a:xfrm>
-            <a:custGeom>
-              <a:avLst/>
-              <a:gdLst/>
-              <a:ahLst/>
-              <a:cxnLst>
-                <a:cxn ang="0">
-                  <a:pos x="35" y="118"/>
-                </a:cxn>
-                <a:cxn ang="0">
-                  <a:pos x="35" y="112"/>
-                </a:cxn>
-                <a:cxn ang="0">
-                  <a:pos x="37" y="100"/>
-                </a:cxn>
-                <a:cxn ang="0">
-                  <a:pos x="37" y="92"/>
-                </a:cxn>
-                <a:cxn ang="0">
-                  <a:pos x="45" y="72"/>
-                </a:cxn>
-                <a:cxn ang="0">
-                  <a:pos x="51" y="60"/>
-                </a:cxn>
-                <a:cxn ang="0">
-                  <a:pos x="53" y="52"/>
-                </a:cxn>
-                <a:cxn ang="0">
-                  <a:pos x="57" y="36"/>
-                </a:cxn>
-                <a:cxn ang="0">
-                  <a:pos x="55" y="24"/>
-                </a:cxn>
-                <a:cxn ang="0">
-                  <a:pos x="51" y="16"/>
-                </a:cxn>
-                <a:cxn ang="0">
-                  <a:pos x="37" y="10"/>
-                </a:cxn>
-                <a:cxn ang="0">
-                  <a:pos x="29" y="10"/>
-                </a:cxn>
-                <a:cxn ang="0">
-                  <a:pos x="25" y="12"/>
-                </a:cxn>
-                <a:cxn ang="0">
-                  <a:pos x="21" y="20"/>
-                </a:cxn>
-                <a:cxn ang="0">
-                  <a:pos x="21" y="22"/>
-                </a:cxn>
-                <a:cxn ang="0">
-                  <a:pos x="23" y="26"/>
-                </a:cxn>
-                <a:cxn ang="0">
-                  <a:pos x="31" y="30"/>
-                </a:cxn>
-                <a:cxn ang="0">
-                  <a:pos x="33" y="36"/>
-                </a:cxn>
-                <a:cxn ang="0">
-                  <a:pos x="35" y="40"/>
-                </a:cxn>
-                <a:cxn ang="0">
-                  <a:pos x="29" y="52"/>
-                </a:cxn>
-                <a:cxn ang="0">
-                  <a:pos x="23" y="56"/>
-                </a:cxn>
-                <a:cxn ang="0">
-                  <a:pos x="17" y="56"/>
-                </a:cxn>
-                <a:cxn ang="0">
-                  <a:pos x="6" y="50"/>
-                </a:cxn>
-                <a:cxn ang="0">
-                  <a:pos x="2" y="44"/>
-                </a:cxn>
-                <a:cxn ang="0">
-                  <a:pos x="0" y="36"/>
-                </a:cxn>
-                <a:cxn ang="0">
-                  <a:pos x="12" y="10"/>
-                </a:cxn>
-                <a:cxn ang="0">
-                  <a:pos x="25" y="2"/>
-                </a:cxn>
-                <a:cxn ang="0">
-                  <a:pos x="43" y="0"/>
-                </a:cxn>
-                <a:cxn ang="0">
-                  <a:pos x="75" y="12"/>
-                </a:cxn>
-                <a:cxn ang="0">
-                  <a:pos x="84" y="24"/>
-                </a:cxn>
-                <a:cxn ang="0">
-                  <a:pos x="86" y="40"/>
-                </a:cxn>
-                <a:cxn ang="0">
-                  <a:pos x="84" y="52"/>
-                </a:cxn>
-                <a:cxn ang="0">
-                  <a:pos x="82" y="60"/>
-                </a:cxn>
-                <a:cxn ang="0">
-                  <a:pos x="79" y="64"/>
-                </a:cxn>
-                <a:cxn ang="0">
-                  <a:pos x="65" y="78"/>
-                </a:cxn>
-                <a:cxn ang="0">
-                  <a:pos x="57" y="86"/>
-                </a:cxn>
-                <a:cxn ang="0">
-                  <a:pos x="51" y="92"/>
-                </a:cxn>
-                <a:cxn ang="0">
-                  <a:pos x="45" y="104"/>
-                </a:cxn>
-                <a:cxn ang="0">
-                  <a:pos x="45" y="110"/>
-                </a:cxn>
-                <a:cxn ang="0">
-                  <a:pos x="43" y="118"/>
-                </a:cxn>
-              </a:cxnLst>
-              <a:rect l="0" t="0" r="r" b="b"/>
-              <a:pathLst>
-                <a:path w="86" h="118">
-                  <a:moveTo>
-                    <a:pt x="43" y="118"/>
-                  </a:moveTo>
-                  <a:lnTo>
-                    <a:pt x="35" y="118"/>
-                  </a:lnTo>
-                  <a:lnTo>
-                    <a:pt x="35" y="118"/>
-                  </a:lnTo>
-                  <a:lnTo>
-                    <a:pt x="35" y="112"/>
-                  </a:lnTo>
-                  <a:lnTo>
-                    <a:pt x="35" y="112"/>
-                  </a:lnTo>
-                  <a:lnTo>
-                    <a:pt x="37" y="100"/>
-                  </a:lnTo>
-                  <a:lnTo>
-                    <a:pt x="37" y="92"/>
-                  </a:lnTo>
-                  <a:lnTo>
-                    <a:pt x="37" y="92"/>
-                  </a:lnTo>
-                  <a:lnTo>
-                    <a:pt x="41" y="82"/>
-                  </a:lnTo>
-                  <a:lnTo>
-                    <a:pt x="45" y="72"/>
-                  </a:lnTo>
-                  <a:lnTo>
-                    <a:pt x="45" y="72"/>
-                  </a:lnTo>
-                  <a:lnTo>
-                    <a:pt x="51" y="60"/>
-                  </a:lnTo>
-                  <a:lnTo>
-                    <a:pt x="53" y="52"/>
-                  </a:lnTo>
-                  <a:lnTo>
-                    <a:pt x="53" y="52"/>
-                  </a:lnTo>
-                  <a:lnTo>
-                    <a:pt x="55" y="44"/>
-                  </a:lnTo>
-                  <a:lnTo>
-                    <a:pt x="57" y="36"/>
-                  </a:lnTo>
-                  <a:lnTo>
-                    <a:pt x="57" y="36"/>
-                  </a:lnTo>
-                  <a:lnTo>
-                    <a:pt x="55" y="24"/>
-                  </a:lnTo>
-                  <a:lnTo>
-                    <a:pt x="51" y="16"/>
-                  </a:lnTo>
-                  <a:lnTo>
-                    <a:pt x="51" y="16"/>
-                  </a:lnTo>
-                  <a:lnTo>
-                    <a:pt x="45" y="12"/>
-                  </a:lnTo>
-                  <a:lnTo>
-                    <a:pt x="37" y="10"/>
-                  </a:lnTo>
-                  <a:lnTo>
-                    <a:pt x="37" y="10"/>
-                  </a:lnTo>
-                  <a:lnTo>
-                    <a:pt x="29" y="10"/>
-                  </a:lnTo>
-                  <a:lnTo>
-                    <a:pt x="25" y="12"/>
-                  </a:lnTo>
-                  <a:lnTo>
-                    <a:pt x="25" y="12"/>
-                  </a:lnTo>
-                  <a:lnTo>
-                    <a:pt x="21" y="16"/>
-                  </a:lnTo>
-                  <a:lnTo>
-                    <a:pt x="21" y="20"/>
-                  </a:lnTo>
-                  <a:lnTo>
-                    <a:pt x="21" y="20"/>
-                  </a:lnTo>
-                  <a:lnTo>
-                    <a:pt x="21" y="22"/>
-                  </a:lnTo>
-                  <a:lnTo>
-                    <a:pt x="23" y="26"/>
-                  </a:lnTo>
-                  <a:lnTo>
-                    <a:pt x="23" y="26"/>
-                  </a:lnTo>
-                  <a:lnTo>
-                    <a:pt x="29" y="28"/>
-                  </a:lnTo>
-                  <a:lnTo>
-                    <a:pt x="31" y="30"/>
-                  </a:lnTo>
-                  <a:lnTo>
-                    <a:pt x="31" y="30"/>
-                  </a:lnTo>
-                  <a:lnTo>
-                    <a:pt x="33" y="36"/>
-                  </a:lnTo>
-                  <a:lnTo>
-                    <a:pt x="35" y="40"/>
-                  </a:lnTo>
-                  <a:lnTo>
-                    <a:pt x="35" y="40"/>
-                  </a:lnTo>
-                  <a:lnTo>
-                    <a:pt x="33" y="46"/>
-                  </a:lnTo>
-                  <a:lnTo>
-                    <a:pt x="29" y="52"/>
-                  </a:lnTo>
-                  <a:lnTo>
-                    <a:pt x="29" y="52"/>
-                  </a:lnTo>
-                  <a:lnTo>
-                    <a:pt x="23" y="56"/>
-                  </a:lnTo>
-                  <a:lnTo>
-                    <a:pt x="17" y="56"/>
-                  </a:lnTo>
-                  <a:lnTo>
-                    <a:pt x="17" y="56"/>
-                  </a:lnTo>
-                  <a:lnTo>
-                    <a:pt x="12" y="54"/>
-                  </a:lnTo>
-                  <a:lnTo>
-                    <a:pt x="6" y="50"/>
-                  </a:lnTo>
-                  <a:lnTo>
-                    <a:pt x="6" y="50"/>
-                  </a:lnTo>
-                  <a:lnTo>
-                    <a:pt x="2" y="44"/>
-                  </a:lnTo>
-                  <a:lnTo>
-                    <a:pt x="0" y="36"/>
-                  </a:lnTo>
-                  <a:lnTo>
-                    <a:pt x="0" y="36"/>
-                  </a:lnTo>
-                  <a:lnTo>
-                    <a:pt x="4" y="22"/>
-                  </a:lnTo>
-                  <a:lnTo>
-                    <a:pt x="12" y="10"/>
-                  </a:lnTo>
-                  <a:lnTo>
-                    <a:pt x="12" y="10"/>
-                  </a:lnTo>
-                  <a:lnTo>
-                    <a:pt x="25" y="2"/>
-                  </a:lnTo>
-                  <a:lnTo>
-                    <a:pt x="43" y="0"/>
-                  </a:lnTo>
-                  <a:lnTo>
-                    <a:pt x="43" y="0"/>
-                  </a:lnTo>
-                  <a:lnTo>
-                    <a:pt x="61" y="2"/>
-                  </a:lnTo>
-                  <a:lnTo>
-                    <a:pt x="75" y="12"/>
-                  </a:lnTo>
-                  <a:lnTo>
-                    <a:pt x="75" y="12"/>
-                  </a:lnTo>
-                  <a:lnTo>
-                    <a:pt x="84" y="24"/>
-                  </a:lnTo>
-                  <a:lnTo>
-                    <a:pt x="86" y="40"/>
-                  </a:lnTo>
-                  <a:lnTo>
-                    <a:pt x="86" y="40"/>
-                  </a:lnTo>
-                  <a:lnTo>
-                    <a:pt x="86" y="46"/>
-                  </a:lnTo>
-                  <a:lnTo>
-                    <a:pt x="84" y="52"/>
-                  </a:lnTo>
-                  <a:lnTo>
-                    <a:pt x="84" y="52"/>
-                  </a:lnTo>
-                  <a:lnTo>
-                    <a:pt x="82" y="60"/>
-                  </a:lnTo>
-                  <a:lnTo>
-                    <a:pt x="79" y="64"/>
-                  </a:lnTo>
-                  <a:lnTo>
-                    <a:pt x="79" y="64"/>
-                  </a:lnTo>
-                  <a:lnTo>
-                    <a:pt x="73" y="70"/>
-                  </a:lnTo>
-                  <a:lnTo>
-                    <a:pt x="65" y="78"/>
-                  </a:lnTo>
-                  <a:lnTo>
-                    <a:pt x="65" y="78"/>
-                  </a:lnTo>
-                  <a:lnTo>
-                    <a:pt x="57" y="86"/>
-                  </a:lnTo>
-                  <a:lnTo>
-                    <a:pt x="51" y="92"/>
-                  </a:lnTo>
-                  <a:lnTo>
-                    <a:pt x="51" y="92"/>
-                  </a:lnTo>
-                  <a:lnTo>
-                    <a:pt x="49" y="96"/>
-                  </a:lnTo>
-                  <a:lnTo>
-                    <a:pt x="45" y="104"/>
-                  </a:lnTo>
-                  <a:lnTo>
-                    <a:pt x="45" y="104"/>
-                  </a:lnTo>
-                  <a:lnTo>
-                    <a:pt x="45" y="110"/>
-                  </a:lnTo>
-                  <a:lnTo>
-                    <a:pt x="43" y="118"/>
-                  </a:lnTo>
-                  <a:lnTo>
-                    <a:pt x="43" y="118"/>
-                  </a:lnTo>
-                  <a:lnTo>
-                    <a:pt x="43" y="118"/>
-                  </a:lnTo>
-                  <a:close/>
-                </a:path>
-              </a:pathLst>
-            </a:custGeom>
-            <a:solidFill>
-              <a:srgbClr val="CC3300"/>
-            </a:solidFill>
-            <a:ln w="9525">
-              <a:noFill/>
-              <a:round/>
-              <a:headEnd/>
-              <a:tailEnd/>
-            </a:ln>
-          </p:spPr>
-          <p:txBody>
-            <a:bodyPr/>
-            <a:lstStyle/>
-            <a:p>
-              <a:endParaRPr lang="en-US" dirty="0"/>
-            </a:p>
-          </p:txBody>
-        </p:sp>
-      </p:grpSp>
-      <p:sp>
-        <p:nvSpPr>
-          <p:cNvPr id="498707" name="Rectangle 19"/>
-          <p:cNvSpPr>
-            <a:spLocks noChangeArrowheads="1"/>
-          </p:cNvSpPr>
-          <p:nvPr/>
-        </p:nvSpPr>
-        <p:spPr bwMode="gray">
-          <a:xfrm>
-            <a:off x="1174750" y="1889125"/>
-            <a:ext cx="6710363" cy="2778125"/>
-          </a:xfrm>
-          <a:prstGeom prst="rect">
-            <a:avLst/>
-          </a:prstGeom>
-          <a:solidFill>
-            <a:schemeClr val="accent1"/>
-          </a:solidFill>
-          <a:ln w="12700">
-            <a:solidFill>
-              <a:schemeClr val="tx1"/>
-            </a:solidFill>
-            <a:miter lim="800000"/>
-            <a:headEnd/>
-            <a:tailEnd/>
-          </a:ln>
-          <a:effectLst>
-            <a:outerShdw dist="53882" dir="2700000" algn="ctr" rotWithShape="0">
-              <a:schemeClr val="tx1"/>
-            </a:outerShdw>
-          </a:effectLst>
-        </p:spPr>
-        <p:txBody>
-          <a:bodyPr lIns="92075" tIns="46038" rIns="92075" bIns="46038">
-            <a:spAutoFit/>
-          </a:bodyPr>
-          <a:lstStyle/>
-          <a:p>
-            <a:pPr>
-              <a:spcBef>
-                <a:spcPts val="200"/>
-              </a:spcBef>
-              <a:buClr>
-                <a:schemeClr val="accent2"/>
-              </a:buClr>
-              <a:buSzPct val="115000"/>
-              <a:buFont typeface="Arial" charset="0"/>
-              <a:buNone/>
-            </a:pPr>
-            <a:r>
-              <a:rPr lang="en-US" sz="1600" b="1" dirty="0">
-                <a:latin typeface="Courier New" pitchFamily="49" charset="0"/>
-              </a:rPr>
-              <a:t>public void</a:t>
-            </a:r>
-            <a:r>
-              <a:rPr lang="en-US" sz="1600" b="0" dirty="0">
-                <a:latin typeface="Courier New" pitchFamily="49" charset="0"/>
-              </a:rPr>
-              <a:t> SomeMethod()</a:t>
-            </a:r>
-          </a:p>
-          <a:p>
-            <a:pPr>
-              <a:spcBef>
-                <a:spcPts val="200"/>
-              </a:spcBef>
-              <a:buClr>
-                <a:schemeClr val="accent2"/>
-              </a:buClr>
-              <a:buSzPct val="115000"/>
-              <a:buFont typeface="Arial" charset="0"/>
-              <a:buNone/>
-            </a:pPr>
-            <a:r>
-              <a:rPr lang="en-US" sz="1600" b="0" dirty="0">
-                <a:latin typeface="Courier New" pitchFamily="49" charset="0"/>
-              </a:rPr>
-              <a:t>{</a:t>
-            </a:r>
-          </a:p>
-          <a:p>
-            <a:pPr>
-              <a:spcBef>
-                <a:spcPts val="200"/>
-              </a:spcBef>
-              <a:buClr>
-                <a:schemeClr val="accent2"/>
-              </a:buClr>
-              <a:buSzPct val="115000"/>
-              <a:buFont typeface="Arial" charset="0"/>
-              <a:buNone/>
-            </a:pPr>
-            <a:r>
-              <a:rPr lang="en-US" sz="1600" b="0" dirty="0">
-                <a:latin typeface="Courier New" pitchFamily="49" charset="0"/>
-              </a:rPr>
-              <a:t>  List&lt;Shape&gt; shapeList = </a:t>
-            </a:r>
-            <a:r>
-              <a:rPr lang="en-US" sz="1600" dirty="0">
-                <a:latin typeface="Courier New" pitchFamily="49" charset="0"/>
-              </a:rPr>
-              <a:t>new</a:t>
-            </a:r>
-            <a:r>
-              <a:rPr lang="en-US" sz="1600" b="0" dirty="0">
-                <a:latin typeface="Courier New" pitchFamily="49" charset="0"/>
-              </a:rPr>
-              <a:t> List&lt;Shape&gt;();</a:t>
-            </a:r>
-          </a:p>
-          <a:p>
-            <a:pPr>
-              <a:spcBef>
-                <a:spcPts val="200"/>
-              </a:spcBef>
-              <a:buClr>
-                <a:schemeClr val="accent2"/>
-              </a:buClr>
-              <a:buSzPct val="115000"/>
-              <a:buFont typeface="Arial" charset="0"/>
-              <a:buNone/>
-            </a:pPr>
-            <a:r>
-              <a:rPr lang="en-US" sz="1600" b="0" dirty="0">
-                <a:latin typeface="Courier New" pitchFamily="49" charset="0"/>
-              </a:rPr>
-              <a:t>  shapeList.Add(</a:t>
-            </a:r>
-            <a:r>
-              <a:rPr lang="en-US" sz="1600" b="1" dirty="0">
-                <a:latin typeface="Courier New" pitchFamily="49" charset="0"/>
-              </a:rPr>
-              <a:t>new</a:t>
-            </a:r>
-            <a:r>
-              <a:rPr lang="en-US" sz="1600" b="0" dirty="0">
-                <a:latin typeface="Courier New" pitchFamily="49" charset="0"/>
-              </a:rPr>
-              <a:t> Circle(1.0,10.3));</a:t>
-            </a:r>
-          </a:p>
-          <a:p>
-            <a:pPr>
-              <a:spcBef>
-                <a:spcPts val="200"/>
-              </a:spcBef>
-              <a:buClr>
-                <a:schemeClr val="accent2"/>
-              </a:buClr>
-              <a:buSzPct val="115000"/>
-              <a:buFont typeface="Arial" charset="0"/>
-              <a:buNone/>
-            </a:pPr>
-            <a:r>
-              <a:rPr lang="en-US" sz="1600" b="0" dirty="0">
-                <a:latin typeface="Courier New" pitchFamily="49" charset="0"/>
-              </a:rPr>
-              <a:t>  </a:t>
-            </a:r>
-            <a:r>
-              <a:rPr lang="en-US" sz="1600" b="0" i="1" dirty="0">
-                <a:latin typeface="Courier New" pitchFamily="49" charset="0"/>
-              </a:rPr>
-              <a:t>… add more shapes …</a:t>
-            </a:r>
-          </a:p>
-          <a:p>
-            <a:pPr>
-              <a:spcBef>
-                <a:spcPts val="200"/>
-              </a:spcBef>
-              <a:buClr>
-                <a:schemeClr val="accent2"/>
-              </a:buClr>
-              <a:buSzPct val="115000"/>
-              <a:buFont typeface="Arial" charset="0"/>
-              <a:buNone/>
-            </a:pPr>
-            <a:r>
-              <a:rPr lang="en-US" sz="1600" b="0" dirty="0">
-                <a:latin typeface="Courier New" pitchFamily="49" charset="0"/>
-              </a:rPr>
-              <a:t>  Func&lt;Shape,bool&gt; areaGT4 = (p =&gt; p.Area &gt; 4.0);</a:t>
-            </a:r>
-          </a:p>
-          <a:p>
-            <a:pPr>
-              <a:spcBef>
-                <a:spcPts val="200"/>
-              </a:spcBef>
-              <a:buClr>
-                <a:schemeClr val="accent2"/>
-              </a:buClr>
-              <a:buSzPct val="115000"/>
-              <a:buFont typeface="Arial" charset="0"/>
-              <a:buNone/>
-            </a:pPr>
-            <a:r>
-              <a:rPr lang="en-US" sz="1600" b="0" i="1" dirty="0">
-                <a:latin typeface="Courier New" pitchFamily="49" charset="0"/>
-              </a:rPr>
-              <a:t>  </a:t>
-            </a:r>
-            <a:r>
-              <a:rPr lang="en-US" sz="1600" b="1" dirty="0">
-                <a:latin typeface="Courier New" pitchFamily="49" charset="0"/>
-              </a:rPr>
-              <a:t>var</a:t>
-            </a:r>
-            <a:r>
-              <a:rPr lang="en-US" sz="1600" b="0" dirty="0">
-                <a:latin typeface="Courier New" pitchFamily="49" charset="0"/>
-              </a:rPr>
-              <a:t> x = shapeList.Where(areaGT4);</a:t>
-            </a:r>
-          </a:p>
-          <a:p>
-            <a:pPr>
-              <a:spcBef>
-                <a:spcPts val="200"/>
-              </a:spcBef>
-              <a:buClr>
-                <a:schemeClr val="accent2"/>
-              </a:buClr>
-              <a:buSzPct val="115000"/>
-              <a:buFont typeface="Arial" charset="0"/>
-              <a:buNone/>
-            </a:pPr>
-            <a:r>
-              <a:rPr lang="en-US" sz="1600" b="0" dirty="0">
-                <a:latin typeface="Courier New" pitchFamily="49" charset="0"/>
-              </a:rPr>
-              <a:t>  </a:t>
-            </a:r>
-            <a:r>
-              <a:rPr lang="en-US" sz="1600" b="1" dirty="0">
-                <a:latin typeface="Courier New" pitchFamily="49" charset="0"/>
-              </a:rPr>
-              <a:t>var</a:t>
-            </a:r>
-            <a:r>
-              <a:rPr lang="en-US" sz="1600" b="0" dirty="0">
-                <a:latin typeface="Courier New" pitchFamily="49" charset="0"/>
-              </a:rPr>
-              <a:t> y = shapeList.Where(areaGT4).ToList();</a:t>
-            </a:r>
-          </a:p>
-          <a:p>
-            <a:pPr>
-              <a:spcBef>
-                <a:spcPts val="200"/>
-              </a:spcBef>
-              <a:buClr>
-                <a:schemeClr val="accent2"/>
-              </a:buClr>
-              <a:buSzPct val="115000"/>
-              <a:buFont typeface="Arial" charset="0"/>
-              <a:buNone/>
-            </a:pPr>
-            <a:r>
-              <a:rPr lang="en-US" sz="1600" b="0" dirty="0">
-                <a:latin typeface="Courier New" pitchFamily="49" charset="0"/>
-              </a:rPr>
-              <a:t>  </a:t>
-            </a:r>
-            <a:r>
-              <a:rPr lang="en-US" sz="1600" b="1" dirty="0">
-                <a:latin typeface="Courier New" pitchFamily="49" charset="0"/>
-              </a:rPr>
-              <a:t>var</a:t>
-            </a:r>
-            <a:r>
-              <a:rPr lang="en-US" sz="1600" b="0" dirty="0">
-                <a:latin typeface="Courier New" pitchFamily="49" charset="0"/>
-              </a:rPr>
-              <a:t> z = shapeList.Where(areaGT4).ToList()[0];</a:t>
-            </a:r>
-          </a:p>
-          <a:p>
-            <a:pPr>
-              <a:spcBef>
-                <a:spcPts val="200"/>
-              </a:spcBef>
-              <a:buClr>
-                <a:schemeClr val="accent2"/>
-              </a:buClr>
-              <a:buSzPct val="115000"/>
-              <a:buFont typeface="Arial" charset="0"/>
-              <a:buNone/>
-            </a:pPr>
-            <a:r>
-              <a:rPr lang="en-US" sz="1600" b="0" dirty="0">
-                <a:latin typeface="Courier New" pitchFamily="49" charset="0"/>
-              </a:rPr>
-              <a:t>}</a:t>
             </a:r>
           </a:p>
         </p:txBody>
@@ -27610,347 +25561,11 @@
 </p:sld>
 </file>
 
-<file path=ppt/slides/slide9.xml><?xml version="1.0" encoding="utf-8"?>
-<p:sld xmlns:a="http://schemas.openxmlformats.org/drawingml/2006/main" xmlns:r="http://schemas.openxmlformats.org/officeDocument/2006/relationships" xmlns:p="http://schemas.openxmlformats.org/presentationml/2006/main">
-  <p:cSld>
-    <p:spTree>
-      <p:nvGrpSpPr>
-        <p:cNvPr id="1" name=""/>
-        <p:cNvGrpSpPr/>
-        <p:nvPr/>
-      </p:nvGrpSpPr>
-      <p:grpSpPr>
-        <a:xfrm>
-          <a:off x="0" y="0"/>
-          <a:ext cx="0" cy="0"/>
-          <a:chOff x="0" y="0"/>
-          <a:chExt cx="0" cy="0"/>
-        </a:xfrm>
-      </p:grpSpPr>
-      <p:sp>
-        <p:nvSpPr>
-          <p:cNvPr id="434178" name="Rectangle 2"/>
-          <p:cNvSpPr>
-            <a:spLocks noGrp="1" noChangeArrowheads="1"/>
-          </p:cNvSpPr>
-          <p:nvPr>
-            <p:ph type="title"/>
-          </p:nvPr>
-        </p:nvSpPr>
-        <p:spPr/>
-        <p:txBody>
-          <a:bodyPr/>
-          <a:lstStyle/>
-          <a:p>
-            <a:r>
-              <a:rPr lang="fr-FR" dirty="0"/>
-              <a:t>Expressions lambda </a:t>
-            </a:r>
-            <a:br>
-              <a:rPr lang="fr-FR" noProof="0" dirty="0"/>
-            </a:br>
-            <a:r>
-              <a:rPr lang="fr-FR" noProof="0" dirty="0"/>
-              <a:t>(suite)</a:t>
-            </a:r>
-          </a:p>
-        </p:txBody>
-      </p:sp>
-      <p:sp>
-        <p:nvSpPr>
-          <p:cNvPr id="434179" name="Rectangle 3"/>
-          <p:cNvSpPr>
-            <a:spLocks noGrp="1" noChangeArrowheads="1"/>
-          </p:cNvSpPr>
-          <p:nvPr>
-            <p:ph idx="1"/>
-          </p:nvPr>
-        </p:nvSpPr>
-        <p:spPr>
-          <a:xfrm>
-            <a:off x="279400" y="1312863"/>
-            <a:ext cx="8599488" cy="4560223"/>
-          </a:xfrm>
-        </p:spPr>
-        <p:txBody>
-          <a:bodyPr/>
-          <a:lstStyle/>
-          <a:p>
-            <a:r>
-              <a:rPr lang="fr-FR" noProof="0" dirty="0"/>
-              <a:t>On peut simplifier l’expression lambda de la diapositive précédente</a:t>
-            </a:r>
-          </a:p>
-          <a:p>
-            <a:r>
-              <a:rPr lang="fr-FR" dirty="0"/>
-              <a:t>L’instruction </a:t>
-            </a:r>
-            <a:r>
-              <a:rPr lang="fr-FR" dirty="0">
-                <a:latin typeface="Courier New" pitchFamily="49" charset="0"/>
-              </a:rPr>
-              <a:t>return</a:t>
-            </a:r>
-            <a:r>
-              <a:rPr lang="fr-FR" dirty="0"/>
-              <a:t> peut être omise et le type de retour peut être inféré à partir de l’expression</a:t>
-            </a:r>
-          </a:p>
-          <a:p>
-            <a:pPr lvl="1"/>
-            <a:r>
-              <a:rPr lang="fr-FR" noProof="0" dirty="0"/>
-              <a:t>Cela fonctionnerait de façon identique :</a:t>
-            </a:r>
-          </a:p>
-          <a:p>
-            <a:pPr lvl="1">
-              <a:buNone/>
-            </a:pPr>
-            <a:r>
-              <a:rPr lang="fr-FR" dirty="0">
-                <a:latin typeface="Courier New" pitchFamily="49" charset="0"/>
-              </a:rPr>
-              <a:t>		(</a:t>
-            </a:r>
-            <a:r>
-              <a:rPr lang="fr-FR" dirty="0" err="1">
-                <a:latin typeface="Courier New" pitchFamily="49" charset="0"/>
-              </a:rPr>
-              <a:t>decimal</a:t>
-            </a:r>
-            <a:r>
-              <a:rPr lang="fr-FR" dirty="0">
-                <a:latin typeface="Courier New" pitchFamily="49" charset="0"/>
-              </a:rPr>
-              <a:t> </a:t>
-            </a:r>
-            <a:r>
-              <a:rPr lang="fr-FR" dirty="0" err="1">
-                <a:latin typeface="Courier New" pitchFamily="49" charset="0"/>
-              </a:rPr>
-              <a:t>price</a:t>
-            </a:r>
-            <a:r>
-              <a:rPr lang="fr-FR" dirty="0">
-                <a:latin typeface="Courier New" pitchFamily="49" charset="0"/>
-              </a:rPr>
-              <a:t>) =&gt; </a:t>
-            </a:r>
-            <a:r>
-              <a:rPr lang="fr-FR" dirty="0" err="1">
-                <a:latin typeface="Courier New" pitchFamily="49" charset="0"/>
-              </a:rPr>
-              <a:t>price</a:t>
-            </a:r>
-            <a:r>
-              <a:rPr lang="fr-FR" dirty="0">
-                <a:latin typeface="Courier New" pitchFamily="49" charset="0"/>
-              </a:rPr>
-              <a:t> * .85m</a:t>
-            </a:r>
-            <a:endParaRPr lang="fr-FR" noProof="0" dirty="0"/>
-          </a:p>
-          <a:p>
-            <a:r>
-              <a:rPr lang="fr-FR" noProof="0" dirty="0"/>
-              <a:t>Il n’est pas </a:t>
-            </a:r>
-            <a:r>
-              <a:rPr lang="fr-FR" dirty="0"/>
-              <a:t>nécessaire de spécifier </a:t>
-            </a:r>
-            <a:r>
-              <a:rPr lang="fr-FR" i="1" dirty="0">
-                <a:latin typeface="Century Schoolbook" pitchFamily="18" charset="0"/>
-              </a:rPr>
-              <a:t>explicitement</a:t>
-            </a:r>
-            <a:r>
-              <a:rPr lang="fr-FR" noProof="0" dirty="0"/>
-              <a:t> le type du paramètre </a:t>
-            </a:r>
-            <a:r>
-              <a:rPr lang="fr-FR" noProof="0" dirty="0" err="1">
-                <a:latin typeface="Courier New" pitchFamily="49" charset="0"/>
-              </a:rPr>
-              <a:t>price</a:t>
-            </a:r>
-            <a:endParaRPr lang="fr-FR" noProof="0" dirty="0"/>
-          </a:p>
-          <a:p>
-            <a:pPr lvl="1"/>
-            <a:r>
-              <a:rPr lang="fr-FR" noProof="0" dirty="0"/>
-              <a:t>Les expressions lambda sont généralement écrites implicitement</a:t>
-            </a:r>
-          </a:p>
-          <a:p>
-            <a:pPr lvl="1"/>
-            <a:r>
-              <a:rPr lang="fr-FR" dirty="0"/>
-              <a:t>À l’aide d’un délégué associé</a:t>
-            </a:r>
-          </a:p>
-          <a:p>
-            <a:pPr lvl="1"/>
-            <a:endParaRPr lang="fr-FR" dirty="0"/>
-          </a:p>
-          <a:p>
-            <a:pPr lvl="1">
-              <a:buNone/>
-            </a:pPr>
-            <a:r>
-              <a:rPr lang="fr-FR" dirty="0">
-                <a:latin typeface="Courier New" pitchFamily="49" charset="0"/>
-                <a:cs typeface="Courier New" pitchFamily="49" charset="0"/>
-              </a:rPr>
-              <a:t>    </a:t>
-            </a:r>
-            <a:r>
-              <a:rPr lang="fr-FR" dirty="0" err="1">
-                <a:latin typeface="Courier New" pitchFamily="49" charset="0"/>
-                <a:cs typeface="Courier New" pitchFamily="49" charset="0"/>
-              </a:rPr>
-              <a:t>delegate</a:t>
-            </a:r>
-            <a:r>
-              <a:rPr lang="fr-FR" dirty="0">
-                <a:latin typeface="Courier New" pitchFamily="49" charset="0"/>
-                <a:cs typeface="Courier New" pitchFamily="49" charset="0"/>
-              </a:rPr>
-              <a:t> </a:t>
-            </a:r>
-            <a:r>
-              <a:rPr lang="fr-FR" dirty="0" err="1">
-                <a:latin typeface="Courier New" pitchFamily="49" charset="0"/>
-                <a:cs typeface="Courier New" pitchFamily="49" charset="0"/>
-              </a:rPr>
-              <a:t>decimal</a:t>
-            </a:r>
-            <a:r>
-              <a:rPr lang="fr-FR" dirty="0">
-                <a:latin typeface="Courier New" pitchFamily="49" charset="0"/>
-                <a:cs typeface="Courier New" pitchFamily="49" charset="0"/>
-              </a:rPr>
-              <a:t> </a:t>
-            </a:r>
-            <a:r>
-              <a:rPr lang="fr-FR" dirty="0" err="1">
-                <a:latin typeface="Courier New" pitchFamily="49" charset="0"/>
-                <a:cs typeface="Courier New" pitchFamily="49" charset="0"/>
-              </a:rPr>
-              <a:t>MoneyFunction</a:t>
-            </a:r>
-            <a:r>
-              <a:rPr lang="fr-FR" dirty="0">
-                <a:latin typeface="Courier New" pitchFamily="49" charset="0"/>
-                <a:cs typeface="Courier New" pitchFamily="49" charset="0"/>
-              </a:rPr>
-              <a:t>(</a:t>
-            </a:r>
-            <a:r>
-              <a:rPr lang="fr-FR" dirty="0" err="1">
-                <a:latin typeface="Courier New" pitchFamily="49" charset="0"/>
-                <a:cs typeface="Courier New" pitchFamily="49" charset="0"/>
-              </a:rPr>
-              <a:t>decimal</a:t>
-            </a:r>
-            <a:r>
-              <a:rPr lang="fr-FR" dirty="0">
-                <a:latin typeface="Courier New" pitchFamily="49" charset="0"/>
-                <a:cs typeface="Courier New" pitchFamily="49" charset="0"/>
-              </a:rPr>
-              <a:t>)</a:t>
-            </a:r>
-          </a:p>
-          <a:p>
-            <a:pPr lvl="1">
-              <a:buNone/>
-            </a:pPr>
-            <a:r>
-              <a:rPr lang="fr-FR" dirty="0">
-                <a:latin typeface="Courier New" pitchFamily="49" charset="0"/>
-                <a:cs typeface="Courier New" pitchFamily="49" charset="0"/>
-              </a:rPr>
-              <a:t>		...</a:t>
-            </a:r>
-          </a:p>
-          <a:p>
-            <a:pPr lvl="1">
-              <a:buNone/>
-            </a:pPr>
-            <a:r>
-              <a:rPr lang="fr-FR" dirty="0">
-                <a:latin typeface="Courier New" pitchFamily="49" charset="0"/>
-                <a:cs typeface="Courier New" pitchFamily="49" charset="0"/>
-              </a:rPr>
-              <a:t>		</a:t>
-            </a:r>
-            <a:r>
-              <a:rPr lang="fr-FR" dirty="0" err="1">
-                <a:latin typeface="Courier New" pitchFamily="49" charset="0"/>
-                <a:cs typeface="Courier New" pitchFamily="49" charset="0"/>
-              </a:rPr>
-              <a:t>price</a:t>
-            </a:r>
-            <a:r>
-              <a:rPr lang="fr-FR" dirty="0">
-                <a:latin typeface="Courier New" pitchFamily="49" charset="0"/>
-                <a:cs typeface="Courier New" pitchFamily="49" charset="0"/>
-              </a:rPr>
-              <a:t> =&gt; </a:t>
-            </a:r>
-            <a:r>
-              <a:rPr lang="fr-FR" dirty="0" err="1">
-                <a:latin typeface="Courier New" pitchFamily="49" charset="0"/>
-                <a:cs typeface="Courier New" pitchFamily="49" charset="0"/>
-              </a:rPr>
-              <a:t>price</a:t>
-            </a:r>
-            <a:r>
-              <a:rPr lang="fr-FR" dirty="0">
-                <a:latin typeface="Courier New" pitchFamily="49" charset="0"/>
-                <a:cs typeface="Courier New" pitchFamily="49" charset="0"/>
-              </a:rPr>
-              <a:t> * .85m</a:t>
-            </a:r>
-          </a:p>
-          <a:p>
-            <a:pPr lvl="1"/>
-            <a:endParaRPr lang="fr-FR" noProof="0" dirty="0"/>
-          </a:p>
-        </p:txBody>
-      </p:sp>
-    </p:spTree>
-    <p:custDataLst>
-      <p:tags r:id="rId1"/>
-    </p:custDataLst>
-  </p:cSld>
-  <p:clrMapOvr>
-    <a:masterClrMapping/>
-  </p:clrMapOvr>
-</p:sld>
-</file>
-
 <file path=ppt/tags/tag1.xml><?xml version="1.0" encoding="utf-8"?>
 <p:tagLst xmlns:a="http://schemas.openxmlformats.org/drawingml/2006/main" xmlns:r="http://schemas.openxmlformats.org/officeDocument/2006/relationships" xmlns:p="http://schemas.openxmlformats.org/presentationml/2006/main">
   <p:tag name="REV" val="393733204131"/>
   <p:tag name="TL" val="313134302C3534302C343530"/>
   <p:tag name="IPF" val="4C522C4D616E6970756C6174696E67204461746120696E20746865204D6964646C652054696572"/>
-</p:tagLst>
-</file>
-
-<file path=ppt/tags/tag10.xml><?xml version="1.0" encoding="utf-8"?>
-<p:tagLst xmlns:a="http://schemas.openxmlformats.org/drawingml/2006/main" xmlns:r="http://schemas.openxmlformats.org/officeDocument/2006/relationships" xmlns:p="http://schemas.openxmlformats.org/presentationml/2006/main">
-  <p:tag name="IPF" val="4C2C46756E633C542C523E2044656C6567617465"/>
-</p:tagLst>
-</file>
-
-<file path=ppt/tags/tag11.xml><?xml version="1.0" encoding="utf-8"?>
-<p:tagLst xmlns:a="http://schemas.openxmlformats.org/drawingml/2006/main" xmlns:r="http://schemas.openxmlformats.org/officeDocument/2006/relationships" xmlns:p="http://schemas.openxmlformats.org/presentationml/2006/main">
-  <p:tag name="IPF" val="522C46756E633C542C523E2044656C65676174652028636F6E74696E75656429"/>
 </p:tagLst>
 </file>
 
@@ -27993,12 +25608,6 @@
 <file path=ppt/tags/tag8.xml><?xml version="1.0" encoding="utf-8"?>
 <p:tagLst xmlns:a="http://schemas.openxmlformats.org/drawingml/2006/main" xmlns:r="http://schemas.openxmlformats.org/officeDocument/2006/relationships" xmlns:p="http://schemas.openxmlformats.org/presentationml/2006/main">
   <p:tag name="IPF" val="4C2C4C616D6264612045787072657373696F6E73"/>
-</p:tagLst>
-</file>
-
-<file path=ppt/tags/tag9.xml><?xml version="1.0" encoding="utf-8"?>
-<p:tagLst xmlns:a="http://schemas.openxmlformats.org/drawingml/2006/main" xmlns:r="http://schemas.openxmlformats.org/officeDocument/2006/relationships" xmlns:p="http://schemas.openxmlformats.org/presentationml/2006/main">
-  <p:tag name="IPF" val="522C4C616D6264612045787072657373696F6E732028636F6E74696E75656429"/>
 </p:tagLst>
 </file>
 
